--- a/lectures/week9/lecture3/week9_lecture3_questions.pptx
+++ b/lectures/week9/lecture3/week9_lecture3_questions.pptx
@@ -1948,7 +1948,7 @@
                 <a:effectLst/>
                 <a:latin typeface="Courier New" panose="02070309020205020404" pitchFamily="49" charset="0"/>
               </a:rPr>
-              <a:t>((1, 2, 3, 1), [3, 5, 8]) </a:t>
+              <a:t>((1, 2, 3, 3), 1) </a:t>
             </a:r>
           </a:p>
           <a:p>
@@ -1969,7 +1969,7 @@
                 <a:effectLst/>
                 <a:latin typeface="Courier New" panose="02070309020205020404" pitchFamily="49" charset="0"/>
               </a:rPr>
-              <a:t>((4, 5, 2), [3, 5, 8]) </a:t>
+              <a:t>((4, 5, 2), 1) </a:t>
             </a:r>
           </a:p>
           <a:p>
@@ -1990,7 +1990,7 @@
                 <a:effectLst/>
                 <a:latin typeface="Courier New" panose="02070309020205020404" pitchFamily="49" charset="0"/>
               </a:rPr>
-              <a:t>((6, 7, 8, 3), [3, 5, 8])</a:t>
+              <a:t>((6, 7, 8, 3), 1)</a:t>
             </a:r>
             <a:endParaRPr dirty="0"/>
           </a:p>
@@ -25454,10 +25454,10 @@
       </mc:AlternateContent>
       <p:pic>
         <p:nvPicPr>
-          <p:cNvPr id="8" name="Picture 7" descr="A computer screen with text and numbers&#10;&#10;Description automatically generated">
+          <p:cNvPr id="2" name="Picture 1">
             <a:extLst>
               <a:ext uri="{FF2B5EF4-FFF2-40B4-BE49-F238E27FC236}">
-                <a16:creationId xmlns:a16="http://schemas.microsoft.com/office/drawing/2014/main" id="{F51FB4D9-08F9-934A-9CA6-68B7B113B205}"/>
+                <a16:creationId xmlns:a16="http://schemas.microsoft.com/office/drawing/2014/main" id="{51CC9534-BE8A-7A11-FC17-1292CB12CD31}"/>
               </a:ext>
             </a:extLst>
           </p:cNvPr>
@@ -25474,8 +25474,8 @@
         </p:blipFill>
         <p:spPr>
           <a:xfrm>
-            <a:off x="2307038" y="1786553"/>
-            <a:ext cx="4470400" cy="2387600"/>
+            <a:off x="2489200" y="1927961"/>
+            <a:ext cx="4165600" cy="2273300"/>
           </a:xfrm>
           <a:prstGeom prst="rect">
             <a:avLst/>
